--- a/ppt/Python_6_Linear_algebra.pptx
+++ b/ppt/Python_6_Linear_algebra.pptx
@@ -255,7 +255,7 @@
           <a:p>
             <a:fld id="{7A936F36-9261-4800-9924-8576BB323A93}" type="datetimeFigureOut">
               <a:rPr lang="ko-KR" altLang="en-US" smtClean="0"/>
-              <a:t>2017-03-03</a:t>
+              <a:t>2017-04-27</a:t>
             </a:fld>
             <a:endParaRPr lang="ko-KR" altLang="en-US"/>
           </a:p>
@@ -425,7 +425,7 @@
           <a:p>
             <a:fld id="{7A936F36-9261-4800-9924-8576BB323A93}" type="datetimeFigureOut">
               <a:rPr lang="ko-KR" altLang="en-US" smtClean="0"/>
-              <a:t>2017-03-03</a:t>
+              <a:t>2017-04-27</a:t>
             </a:fld>
             <a:endParaRPr lang="ko-KR" altLang="en-US"/>
           </a:p>
@@ -605,7 +605,7 @@
           <a:p>
             <a:fld id="{7A936F36-9261-4800-9924-8576BB323A93}" type="datetimeFigureOut">
               <a:rPr lang="ko-KR" altLang="en-US" smtClean="0"/>
-              <a:t>2017-03-03</a:t>
+              <a:t>2017-04-27</a:t>
             </a:fld>
             <a:endParaRPr lang="ko-KR" altLang="en-US"/>
           </a:p>
@@ -775,7 +775,7 @@
           <a:p>
             <a:fld id="{7A936F36-9261-4800-9924-8576BB323A93}" type="datetimeFigureOut">
               <a:rPr lang="ko-KR" altLang="en-US" smtClean="0"/>
-              <a:t>2017-03-03</a:t>
+              <a:t>2017-04-27</a:t>
             </a:fld>
             <a:endParaRPr lang="ko-KR" altLang="en-US"/>
           </a:p>
@@ -1021,7 +1021,7 @@
           <a:p>
             <a:fld id="{7A936F36-9261-4800-9924-8576BB323A93}" type="datetimeFigureOut">
               <a:rPr lang="ko-KR" altLang="en-US" smtClean="0"/>
-              <a:t>2017-03-03</a:t>
+              <a:t>2017-04-27</a:t>
             </a:fld>
             <a:endParaRPr lang="ko-KR" altLang="en-US"/>
           </a:p>
@@ -1253,7 +1253,7 @@
           <a:p>
             <a:fld id="{7A936F36-9261-4800-9924-8576BB323A93}" type="datetimeFigureOut">
               <a:rPr lang="ko-KR" altLang="en-US" smtClean="0"/>
-              <a:t>2017-03-03</a:t>
+              <a:t>2017-04-27</a:t>
             </a:fld>
             <a:endParaRPr lang="ko-KR" altLang="en-US"/>
           </a:p>
@@ -1620,7 +1620,7 @@
           <a:p>
             <a:fld id="{7A936F36-9261-4800-9924-8576BB323A93}" type="datetimeFigureOut">
               <a:rPr lang="ko-KR" altLang="en-US" smtClean="0"/>
-              <a:t>2017-03-03</a:t>
+              <a:t>2017-04-27</a:t>
             </a:fld>
             <a:endParaRPr lang="ko-KR" altLang="en-US"/>
           </a:p>
@@ -1738,7 +1738,7 @@
           <a:p>
             <a:fld id="{7A936F36-9261-4800-9924-8576BB323A93}" type="datetimeFigureOut">
               <a:rPr lang="ko-KR" altLang="en-US" smtClean="0"/>
-              <a:t>2017-03-03</a:t>
+              <a:t>2017-04-27</a:t>
             </a:fld>
             <a:endParaRPr lang="ko-KR" altLang="en-US"/>
           </a:p>
@@ -1833,7 +1833,7 @@
           <a:p>
             <a:fld id="{7A936F36-9261-4800-9924-8576BB323A93}" type="datetimeFigureOut">
               <a:rPr lang="ko-KR" altLang="en-US" smtClean="0"/>
-              <a:t>2017-03-03</a:t>
+              <a:t>2017-04-27</a:t>
             </a:fld>
             <a:endParaRPr lang="ko-KR" altLang="en-US"/>
           </a:p>
@@ -2110,7 +2110,7 @@
           <a:p>
             <a:fld id="{7A936F36-9261-4800-9924-8576BB323A93}" type="datetimeFigureOut">
               <a:rPr lang="ko-KR" altLang="en-US" smtClean="0"/>
-              <a:t>2017-03-03</a:t>
+              <a:t>2017-04-27</a:t>
             </a:fld>
             <a:endParaRPr lang="ko-KR" altLang="en-US"/>
           </a:p>
@@ -2363,7 +2363,7 @@
           <a:p>
             <a:fld id="{7A936F36-9261-4800-9924-8576BB323A93}" type="datetimeFigureOut">
               <a:rPr lang="ko-KR" altLang="en-US" smtClean="0"/>
-              <a:t>2017-03-03</a:t>
+              <a:t>2017-04-27</a:t>
             </a:fld>
             <a:endParaRPr lang="ko-KR" altLang="en-US"/>
           </a:p>
@@ -2576,7 +2576,7 @@
           <a:p>
             <a:fld id="{7A936F36-9261-4800-9924-8576BB323A93}" type="datetimeFigureOut">
               <a:rPr lang="ko-KR" altLang="en-US" smtClean="0"/>
-              <a:t>2017-03-03</a:t>
+              <a:t>2017-04-27</a:t>
             </a:fld>
             <a:endParaRPr lang="ko-KR" altLang="en-US"/>
           </a:p>
@@ -5069,15 +5069,7 @@
             </a:r>
             <a:r>
               <a:rPr lang="ko-KR" altLang="en-US" spc="-150" dirty="0" smtClean="0"/>
-              <a:t>리스트 내의 벡터들을 </a:t>
-            </a:r>
-            <a:r>
-              <a:rPr lang="ko-KR" altLang="en-US" spc="-150" dirty="0" smtClean="0"/>
-              <a:t>원소 별로 </a:t>
-            </a:r>
-            <a:r>
-              <a:rPr lang="ko-KR" altLang="en-US" spc="-150" dirty="0" smtClean="0"/>
-              <a:t>합하기</a:t>
+              <a:t>리스트 내의 벡터들을 원소 별로 합하기</a:t>
             </a:r>
             <a:endParaRPr lang="en-US" altLang="ko-KR" spc="-150" dirty="0" smtClean="0"/>
           </a:p>
@@ -5313,7 +5305,7 @@
         </p:spPr>
         <p:txBody>
           <a:bodyPr>
-            <a:normAutofit fontScale="92500" lnSpcReduction="20000"/>
+            <a:normAutofit fontScale="85000" lnSpcReduction="20000"/>
           </a:bodyPr>
           <a:lstStyle/>
           <a:p>
@@ -5376,11 +5368,7 @@
             </a:r>
             <a:r>
               <a:rPr lang="ko-KR" altLang="en-US" dirty="0" smtClean="0"/>
-              <a:t> </a:t>
-            </a:r>
-            <a:r>
-              <a:rPr lang="ko-KR" altLang="en-US" dirty="0" smtClean="0"/>
-              <a:t>평균</a:t>
+              <a:t> 평균</a:t>
             </a:r>
             <a:r>
               <a:rPr lang="en-US" altLang="ko-KR" dirty="0"/>
@@ -5400,7 +5388,31 @@
               <a:rPr lang="en-US" altLang="ko-KR" spc="-150" dirty="0" smtClean="0">
                 <a:latin typeface="Consolas" panose="020B0609020204030204" pitchFamily="49" charset="0"/>
               </a:rPr>
-              <a:t>([1,2],[2,4],[3,6]) == [3,6] </a:t>
+              <a:t>([[</a:t>
+            </a:r>
+            <a:r>
+              <a:rPr lang="en-US" altLang="ko-KR" spc="-150" dirty="0" smtClean="0">
+                <a:latin typeface="Consolas" panose="020B0609020204030204" pitchFamily="49" charset="0"/>
+              </a:rPr>
+              <a:t>1,2],[2,4],[3,6</a:t>
+            </a:r>
+            <a:r>
+              <a:rPr lang="en-US" altLang="ko-KR" spc="-150" dirty="0" smtClean="0">
+                <a:latin typeface="Consolas" panose="020B0609020204030204" pitchFamily="49" charset="0"/>
+              </a:rPr>
+              <a:t>]]) </a:t>
+            </a:r>
+            <a:r>
+              <a:rPr lang="en-US" altLang="ko-KR" spc="-150" dirty="0" smtClean="0">
+                <a:latin typeface="Consolas" panose="020B0609020204030204" pitchFamily="49" charset="0"/>
+              </a:rPr>
+              <a:t>== </a:t>
+            </a:r>
+            <a:r>
+              <a:rPr lang="en-US" altLang="ko-KR" spc="-150" dirty="0" smtClean="0">
+                <a:latin typeface="Consolas" panose="020B0609020204030204" pitchFamily="49" charset="0"/>
+              </a:rPr>
+              <a:t>[2,4] </a:t>
             </a:r>
             <a:endParaRPr lang="en-US" altLang="ko-KR" dirty="0"/>
           </a:p>
@@ -5547,6 +5559,65 @@
               </a:rPr>
               <a:t>division</a:t>
             </a:r>
+          </a:p>
+          <a:p>
+            <a:pPr marL="0" indent="0">
+              <a:buNone/>
+            </a:pPr>
+            <a:r>
+              <a:rPr lang="ko-KR" altLang="en-US" spc="-150" dirty="0" smtClean="0">
+                <a:latin typeface="Consolas" panose="020B0609020204030204" pitchFamily="49" charset="0"/>
+              </a:rPr>
+              <a:t>혹은 </a:t>
+            </a:r>
+            <a:r>
+              <a:rPr lang="en-US" altLang="ko-KR" spc="-150" dirty="0">
+                <a:latin typeface="Consolas" panose="020B0609020204030204" pitchFamily="49" charset="0"/>
+              </a:rPr>
+              <a:t>return </a:t>
+            </a:r>
+            <a:r>
+              <a:rPr lang="en-US" altLang="ko-KR" spc="-150" dirty="0" err="1" smtClean="0">
+                <a:latin typeface="Consolas" panose="020B0609020204030204" pitchFamily="49" charset="0"/>
+              </a:rPr>
+              <a:t>scalar_multiply</a:t>
+            </a:r>
+            <a:r>
+              <a:rPr lang="en-US" altLang="ko-KR" spc="-150" dirty="0" smtClean="0">
+                <a:latin typeface="Consolas" panose="020B0609020204030204" pitchFamily="49" charset="0"/>
+              </a:rPr>
+              <a:t>(1/</a:t>
+            </a:r>
+            <a:r>
+              <a:rPr lang="en-US" altLang="ko-KR" spc="-150" dirty="0" smtClean="0">
+                <a:solidFill>
+                  <a:srgbClr val="FF0000"/>
+                </a:solidFill>
+                <a:latin typeface="Consolas" panose="020B0609020204030204" pitchFamily="49" charset="0"/>
+              </a:rPr>
+              <a:t>float(n)</a:t>
+            </a:r>
+            <a:r>
+              <a:rPr lang="en-US" altLang="ko-KR" spc="-150" dirty="0" smtClean="0">
+                <a:latin typeface="Consolas" panose="020B0609020204030204" pitchFamily="49" charset="0"/>
+              </a:rPr>
+              <a:t>, </a:t>
+            </a:r>
+            <a:r>
+              <a:rPr lang="en-US" altLang="ko-KR" spc="-150" dirty="0" err="1">
+                <a:latin typeface="Consolas" panose="020B0609020204030204" pitchFamily="49" charset="0"/>
+              </a:rPr>
+              <a:t>vector_sum</a:t>
+            </a:r>
+            <a:r>
+              <a:rPr lang="en-US" altLang="ko-KR" spc="-150" dirty="0">
+                <a:latin typeface="Consolas" panose="020B0609020204030204" pitchFamily="49" charset="0"/>
+              </a:rPr>
+              <a:t>(vectors))</a:t>
+            </a:r>
+            <a:endParaRPr lang="en-US" altLang="ko-KR" spc="-150" dirty="0" smtClean="0">
+              <a:latin typeface="Consolas" panose="020B0609020204030204" pitchFamily="49" charset="0"/>
+            </a:endParaRPr>
           </a:p>
           <a:p>
             <a:pPr marL="0" indent="0">
@@ -5637,26 +5708,14 @@
             <a:pPr lvl="1"/>
             <a:r>
               <a:rPr lang="en-US" altLang="ko-KR" sz="2800" dirty="0" smtClean="0"/>
-              <a:t>dot</a:t>
-            </a:r>
-            <a:r>
-              <a:rPr lang="en-US" altLang="ko-KR" sz="2800" dirty="0" smtClean="0"/>
-              <a:t>( [1, 2, 3], [0, 1, 2]) = sum([1*0, 2*1, 3*2]) </a:t>
-            </a:r>
-            <a:r>
-              <a:rPr lang="en-US" altLang="ko-KR" sz="2800" dirty="0" smtClean="0"/>
-              <a:t/>
+              <a:t>dot( [1, 2, 3], [0, 1, 2]) = sum([1*0, 2*1, 3*2]) </a:t>
             </a:r>
             <a:br>
               <a:rPr lang="en-US" altLang="ko-KR" sz="2800" dirty="0" smtClean="0"/>
             </a:br>
             <a:r>
               <a:rPr lang="en-US" altLang="ko-KR" sz="2800" dirty="0" smtClean="0"/>
-              <a:t>= </a:t>
-            </a:r>
-            <a:r>
-              <a:rPr lang="en-US" altLang="ko-KR" sz="2800" dirty="0" smtClean="0"/>
-              <a:t>sum([0, 2, 6]) = 8</a:t>
+              <a:t>= sum([0, 2, 6]) = 8</a:t>
             </a:r>
           </a:p>
           <a:p>

--- a/ppt/Python_6_Linear_algebra.pptx
+++ b/ppt/Python_6_Linear_algebra.pptx
@@ -17,7 +17,9 @@
     <p:sldId id="265" r:id="rId11"/>
     <p:sldId id="266" r:id="rId12"/>
     <p:sldId id="267" r:id="rId13"/>
-    <p:sldId id="268" r:id="rId14"/>
+    <p:sldId id="270" r:id="rId14"/>
+    <p:sldId id="268" r:id="rId15"/>
+    <p:sldId id="269" r:id="rId16"/>
   </p:sldIdLst>
   <p:sldSz cx="12192000" cy="6858000"/>
   <p:notesSz cx="6858000" cy="9144000"/>
@@ -255,7 +257,7 @@
           <a:p>
             <a:fld id="{7A936F36-9261-4800-9924-8576BB323A93}" type="datetimeFigureOut">
               <a:rPr lang="ko-KR" altLang="en-US" smtClean="0"/>
-              <a:t>2017-04-27</a:t>
+              <a:t>2017-05-04</a:t>
             </a:fld>
             <a:endParaRPr lang="ko-KR" altLang="en-US"/>
           </a:p>
@@ -425,7 +427,7 @@
           <a:p>
             <a:fld id="{7A936F36-9261-4800-9924-8576BB323A93}" type="datetimeFigureOut">
               <a:rPr lang="ko-KR" altLang="en-US" smtClean="0"/>
-              <a:t>2017-04-27</a:t>
+              <a:t>2017-05-04</a:t>
             </a:fld>
             <a:endParaRPr lang="ko-KR" altLang="en-US"/>
           </a:p>
@@ -605,7 +607,7 @@
           <a:p>
             <a:fld id="{7A936F36-9261-4800-9924-8576BB323A93}" type="datetimeFigureOut">
               <a:rPr lang="ko-KR" altLang="en-US" smtClean="0"/>
-              <a:t>2017-04-27</a:t>
+              <a:t>2017-05-04</a:t>
             </a:fld>
             <a:endParaRPr lang="ko-KR" altLang="en-US"/>
           </a:p>
@@ -775,7 +777,7 @@
           <a:p>
             <a:fld id="{7A936F36-9261-4800-9924-8576BB323A93}" type="datetimeFigureOut">
               <a:rPr lang="ko-KR" altLang="en-US" smtClean="0"/>
-              <a:t>2017-04-27</a:t>
+              <a:t>2017-05-04</a:t>
             </a:fld>
             <a:endParaRPr lang="ko-KR" altLang="en-US"/>
           </a:p>
@@ -1021,7 +1023,7 @@
           <a:p>
             <a:fld id="{7A936F36-9261-4800-9924-8576BB323A93}" type="datetimeFigureOut">
               <a:rPr lang="ko-KR" altLang="en-US" smtClean="0"/>
-              <a:t>2017-04-27</a:t>
+              <a:t>2017-05-04</a:t>
             </a:fld>
             <a:endParaRPr lang="ko-KR" altLang="en-US"/>
           </a:p>
@@ -1253,7 +1255,7 @@
           <a:p>
             <a:fld id="{7A936F36-9261-4800-9924-8576BB323A93}" type="datetimeFigureOut">
               <a:rPr lang="ko-KR" altLang="en-US" smtClean="0"/>
-              <a:t>2017-04-27</a:t>
+              <a:t>2017-05-04</a:t>
             </a:fld>
             <a:endParaRPr lang="ko-KR" altLang="en-US"/>
           </a:p>
@@ -1620,7 +1622,7 @@
           <a:p>
             <a:fld id="{7A936F36-9261-4800-9924-8576BB323A93}" type="datetimeFigureOut">
               <a:rPr lang="ko-KR" altLang="en-US" smtClean="0"/>
-              <a:t>2017-04-27</a:t>
+              <a:t>2017-05-04</a:t>
             </a:fld>
             <a:endParaRPr lang="ko-KR" altLang="en-US"/>
           </a:p>
@@ -1738,7 +1740,7 @@
           <a:p>
             <a:fld id="{7A936F36-9261-4800-9924-8576BB323A93}" type="datetimeFigureOut">
               <a:rPr lang="ko-KR" altLang="en-US" smtClean="0"/>
-              <a:t>2017-04-27</a:t>
+              <a:t>2017-05-04</a:t>
             </a:fld>
             <a:endParaRPr lang="ko-KR" altLang="en-US"/>
           </a:p>
@@ -1833,7 +1835,7 @@
           <a:p>
             <a:fld id="{7A936F36-9261-4800-9924-8576BB323A93}" type="datetimeFigureOut">
               <a:rPr lang="ko-KR" altLang="en-US" smtClean="0"/>
-              <a:t>2017-04-27</a:t>
+              <a:t>2017-05-04</a:t>
             </a:fld>
             <a:endParaRPr lang="ko-KR" altLang="en-US"/>
           </a:p>
@@ -2110,7 +2112,7 @@
           <a:p>
             <a:fld id="{7A936F36-9261-4800-9924-8576BB323A93}" type="datetimeFigureOut">
               <a:rPr lang="ko-KR" altLang="en-US" smtClean="0"/>
-              <a:t>2017-04-27</a:t>
+              <a:t>2017-05-04</a:t>
             </a:fld>
             <a:endParaRPr lang="ko-KR" altLang="en-US"/>
           </a:p>
@@ -2363,7 +2365,7 @@
           <a:p>
             <a:fld id="{7A936F36-9261-4800-9924-8576BB323A93}" type="datetimeFigureOut">
               <a:rPr lang="ko-KR" altLang="en-US" smtClean="0"/>
-              <a:t>2017-04-27</a:t>
+              <a:t>2017-05-04</a:t>
             </a:fld>
             <a:endParaRPr lang="ko-KR" altLang="en-US"/>
           </a:p>
@@ -2576,7 +2578,7 @@
           <a:p>
             <a:fld id="{7A936F36-9261-4800-9924-8576BB323A93}" type="datetimeFigureOut">
               <a:rPr lang="ko-KR" altLang="en-US" smtClean="0"/>
-              <a:t>2017-04-27</a:t>
+              <a:t>2017-05-04</a:t>
             </a:fld>
             <a:endParaRPr lang="ko-KR" altLang="en-US"/>
           </a:p>
@@ -3768,111 +3770,6 @@
           <a:lstStyle/>
           <a:p>
             <a:r>
-              <a:rPr lang="en-US" altLang="ko-KR" spc="-150" dirty="0" err="1" smtClean="0">
-                <a:latin typeface="Consolas" panose="020B0609020204030204" pitchFamily="49" charset="0"/>
-              </a:rPr>
-              <a:t>np.random.rand</a:t>
-            </a:r>
-            <a:r>
-              <a:rPr lang="en-US" altLang="ko-KR" spc="-150" dirty="0" smtClean="0">
-                <a:latin typeface="Consolas" panose="020B0609020204030204" pitchFamily="49" charset="0"/>
-              </a:rPr>
-              <a:t>(4</a:t>
-            </a:r>
-            <a:r>
-              <a:rPr lang="en-US" altLang="ko-KR" spc="-150" dirty="0">
-                <a:latin typeface="Consolas" panose="020B0609020204030204" pitchFamily="49" charset="0"/>
-              </a:rPr>
-              <a:t>)       # uniform in [0, 1</a:t>
-            </a:r>
-            <a:r>
-              <a:rPr lang="en-US" altLang="ko-KR" spc="-150" dirty="0" smtClean="0">
-                <a:latin typeface="Consolas" panose="020B0609020204030204" pitchFamily="49" charset="0"/>
-              </a:rPr>
-              <a:t>]</a:t>
-            </a:r>
-          </a:p>
-          <a:p>
-            <a:r>
-              <a:rPr lang="en-US" altLang="ko-KR" spc="-150" dirty="0" err="1" smtClean="0">
-                <a:latin typeface="Consolas" panose="020B0609020204030204" pitchFamily="49" charset="0"/>
-              </a:rPr>
-              <a:t>np.random.randn</a:t>
-            </a:r>
-            <a:r>
-              <a:rPr lang="en-US" altLang="ko-KR" spc="-150" dirty="0" smtClean="0">
-                <a:latin typeface="Consolas" panose="020B0609020204030204" pitchFamily="49" charset="0"/>
-              </a:rPr>
-              <a:t>(4</a:t>
-            </a:r>
-            <a:r>
-              <a:rPr lang="en-US" altLang="ko-KR" spc="-150" dirty="0">
-                <a:latin typeface="Consolas" panose="020B0609020204030204" pitchFamily="49" charset="0"/>
-              </a:rPr>
-              <a:t>)      # standard </a:t>
-            </a:r>
-            <a:r>
-              <a:rPr lang="en-US" altLang="ko-KR" spc="-150" dirty="0" smtClean="0">
-                <a:latin typeface="Consolas" panose="020B0609020204030204" pitchFamily="49" charset="0"/>
-              </a:rPr>
-              <a:t>normal</a:t>
-            </a:r>
-          </a:p>
-          <a:p>
-            <a:r>
-              <a:rPr lang="en-US" altLang="ko-KR" spc="-150" dirty="0">
-                <a:latin typeface="Consolas" panose="020B0609020204030204" pitchFamily="49" charset="0"/>
-              </a:rPr>
-              <a:t>2.5 * </a:t>
-            </a:r>
-            <a:r>
-              <a:rPr lang="en-US" altLang="ko-KR" spc="-150" dirty="0" err="1">
-                <a:latin typeface="Consolas" panose="020B0609020204030204" pitchFamily="49" charset="0"/>
-              </a:rPr>
-              <a:t>np.random.randn</a:t>
-            </a:r>
-            <a:r>
-              <a:rPr lang="en-US" altLang="ko-KR" spc="-150" dirty="0">
-                <a:latin typeface="Consolas" panose="020B0609020204030204" pitchFamily="49" charset="0"/>
-              </a:rPr>
-              <a:t>(4) + </a:t>
-            </a:r>
-            <a:r>
-              <a:rPr lang="en-US" altLang="ko-KR" spc="-150" dirty="0" smtClean="0">
-                <a:latin typeface="Consolas" panose="020B0609020204030204" pitchFamily="49" charset="0"/>
-              </a:rPr>
-              <a:t>3   # </a:t>
-            </a:r>
-            <a:r>
-              <a:rPr lang="ko-KR" altLang="en-US" spc="-150" dirty="0" smtClean="0">
-                <a:latin typeface="Consolas" panose="020B0609020204030204" pitchFamily="49" charset="0"/>
-              </a:rPr>
-              <a:t>평균 </a:t>
-            </a:r>
-            <a:r>
-              <a:rPr lang="en-US" altLang="ko-KR" spc="-150" dirty="0" smtClean="0">
-                <a:latin typeface="Consolas" panose="020B0609020204030204" pitchFamily="49" charset="0"/>
-              </a:rPr>
-              <a:t>3, </a:t>
-            </a:r>
-            <a:r>
-              <a:rPr lang="ko-KR" altLang="en-US" spc="-150" dirty="0" smtClean="0">
-                <a:latin typeface="Consolas" panose="020B0609020204030204" pitchFamily="49" charset="0"/>
-              </a:rPr>
-              <a:t>표준편차 </a:t>
-            </a:r>
-            <a:r>
-              <a:rPr lang="en-US" altLang="ko-KR" spc="-150" dirty="0" smtClean="0">
-                <a:latin typeface="Consolas" panose="020B0609020204030204" pitchFamily="49" charset="0"/>
-              </a:rPr>
-              <a:t>2.5</a:t>
-            </a:r>
-          </a:p>
-          <a:p>
-            <a:endParaRPr lang="en-US" altLang="ko-KR" dirty="0"/>
-          </a:p>
-          <a:p>
-            <a:r>
               <a:rPr lang="en-US" altLang="ko-KR" dirty="0" smtClean="0"/>
               <a:t>list</a:t>
             </a:r>
@@ -3918,7 +3815,54 @@
               <a:rPr lang="en-US" altLang="ko-KR" spc="-150" dirty="0" smtClean="0">
                 <a:latin typeface="Consolas" panose="020B0609020204030204" pitchFamily="49" charset="0"/>
               </a:rPr>
-              <a:t>(x)</a:t>
+              <a:t>(x</a:t>
+            </a:r>
+            <a:r>
+              <a:rPr lang="en-US" altLang="ko-KR" spc="-150" dirty="0" smtClean="0">
+                <a:latin typeface="Consolas" panose="020B0609020204030204" pitchFamily="49" charset="0"/>
+              </a:rPr>
+              <a:t>)  #</a:t>
+            </a:r>
+            <a:r>
+              <a:rPr lang="ko-KR" altLang="en-US" spc="-150" dirty="0" smtClean="0">
+                <a:latin typeface="Consolas" panose="020B0609020204030204" pitchFamily="49" charset="0"/>
+              </a:rPr>
+              <a:t>혹은</a:t>
+            </a:r>
+            <a:r>
+              <a:rPr lang="en-US" altLang="ko-KR" spc="-150" dirty="0">
+                <a:latin typeface="Consolas" panose="020B0609020204030204" pitchFamily="49" charset="0"/>
+              </a:rPr>
+              <a:t/>
+            </a:r>
+            <a:br>
+              <a:rPr lang="en-US" altLang="ko-KR" spc="-150" dirty="0">
+                <a:latin typeface="Consolas" panose="020B0609020204030204" pitchFamily="49" charset="0"/>
+              </a:rPr>
+            </a:br>
+            <a:r>
+              <a:rPr lang="en-US" altLang="ko-KR" spc="-150" dirty="0">
+                <a:latin typeface="Consolas" panose="020B0609020204030204" pitchFamily="49" charset="0"/>
+              </a:rPr>
+              <a:t>y = </a:t>
+            </a:r>
+            <a:r>
+              <a:rPr lang="en-US" altLang="ko-KR" spc="-150" dirty="0" err="1" smtClean="0">
+                <a:latin typeface="Consolas" panose="020B0609020204030204" pitchFamily="49" charset="0"/>
+              </a:rPr>
+              <a:t>np.array</a:t>
+            </a:r>
+            <a:r>
+              <a:rPr lang="en-US" altLang="ko-KR" spc="-150" dirty="0" smtClean="0">
+                <a:latin typeface="Consolas" panose="020B0609020204030204" pitchFamily="49" charset="0"/>
+              </a:rPr>
+              <a:t>(x</a:t>
+            </a:r>
+            <a:r>
+              <a:rPr lang="en-US" altLang="ko-KR" spc="-150" dirty="0">
+                <a:latin typeface="Consolas" panose="020B0609020204030204" pitchFamily="49" charset="0"/>
+              </a:rPr>
+              <a:t>)</a:t>
             </a:r>
             <a:endParaRPr lang="ko-KR" altLang="en-US" spc="-150" dirty="0">
               <a:latin typeface="Consolas" panose="020B0609020204030204" pitchFamily="49" charset="0"/>
@@ -3966,6 +3910,195 @@
             <p:ph type="title"/>
           </p:nvPr>
         </p:nvSpPr>
+        <p:spPr/>
+        <p:txBody>
+          <a:bodyPr/>
+          <a:lstStyle/>
+          <a:p>
+            <a:r>
+              <a:rPr lang="en-US" altLang="ko-KR" dirty="0" smtClean="0"/>
+              <a:t>random array</a:t>
+            </a:r>
+            <a:endParaRPr lang="ko-KR" altLang="en-US" dirty="0"/>
+          </a:p>
+        </p:txBody>
+      </p:sp>
+      <p:sp>
+        <p:nvSpPr>
+          <p:cNvPr id="3" name="내용 개체 틀 2"/>
+          <p:cNvSpPr>
+            <a:spLocks noGrp="1"/>
+          </p:cNvSpPr>
+          <p:nvPr>
+            <p:ph idx="1"/>
+          </p:nvPr>
+        </p:nvSpPr>
+        <p:spPr/>
+        <p:txBody>
+          <a:bodyPr/>
+          <a:lstStyle/>
+          <a:p>
+            <a:r>
+              <a:rPr lang="en-US" altLang="ko-KR" spc="-150" dirty="0" err="1">
+                <a:latin typeface="Consolas" panose="020B0609020204030204" pitchFamily="49" charset="0"/>
+              </a:rPr>
+              <a:t>np.random.rand</a:t>
+            </a:r>
+            <a:r>
+              <a:rPr lang="en-US" altLang="ko-KR" spc="-150" dirty="0">
+                <a:latin typeface="Consolas" panose="020B0609020204030204" pitchFamily="49" charset="0"/>
+              </a:rPr>
+              <a:t>(4)       # uniform in [0, 1]</a:t>
+            </a:r>
+            <a:r>
+              <a:rPr lang="ko-KR" altLang="en-US" spc="-150" dirty="0">
+                <a:latin typeface="Consolas" panose="020B0609020204030204" pitchFamily="49" charset="0"/>
+              </a:rPr>
+              <a:t>을</a:t>
+            </a:r>
+            <a:r>
+              <a:rPr lang="en-US" altLang="ko-KR" spc="-150" dirty="0">
+                <a:latin typeface="Consolas" panose="020B0609020204030204" pitchFamily="49" charset="0"/>
+              </a:rPr>
+              <a:t> 4</a:t>
+            </a:r>
+            <a:r>
+              <a:rPr lang="ko-KR" altLang="en-US" spc="-150" dirty="0">
+                <a:latin typeface="Consolas" panose="020B0609020204030204" pitchFamily="49" charset="0"/>
+              </a:rPr>
+              <a:t>개 생성</a:t>
+            </a:r>
+            <a:endParaRPr lang="en-US" altLang="ko-KR" spc="-150" dirty="0">
+              <a:latin typeface="Consolas" panose="020B0609020204030204" pitchFamily="49" charset="0"/>
+            </a:endParaRPr>
+          </a:p>
+          <a:p>
+            <a:r>
+              <a:rPr lang="en-US" altLang="ko-KR" spc="-150" dirty="0" err="1">
+                <a:latin typeface="Consolas" panose="020B0609020204030204" pitchFamily="49" charset="0"/>
+              </a:rPr>
+              <a:t>np.random.randn</a:t>
+            </a:r>
+            <a:r>
+              <a:rPr lang="en-US" altLang="ko-KR" spc="-150" dirty="0">
+                <a:latin typeface="Consolas" panose="020B0609020204030204" pitchFamily="49" charset="0"/>
+              </a:rPr>
+              <a:t>(4)      # standard normal</a:t>
+            </a:r>
+            <a:r>
+              <a:rPr lang="ko-KR" altLang="en-US" spc="-150" dirty="0">
+                <a:latin typeface="Consolas" panose="020B0609020204030204" pitchFamily="49" charset="0"/>
+              </a:rPr>
+              <a:t>을</a:t>
+            </a:r>
+            <a:r>
+              <a:rPr lang="en-US" altLang="ko-KR" spc="-150" dirty="0">
+                <a:latin typeface="Consolas" panose="020B0609020204030204" pitchFamily="49" charset="0"/>
+              </a:rPr>
+              <a:t> 4</a:t>
+            </a:r>
+            <a:r>
+              <a:rPr lang="ko-KR" altLang="en-US" spc="-150" dirty="0">
+                <a:latin typeface="Consolas" panose="020B0609020204030204" pitchFamily="49" charset="0"/>
+              </a:rPr>
+              <a:t>개 생성</a:t>
+            </a:r>
+            <a:endParaRPr lang="en-US" altLang="ko-KR" spc="-150" dirty="0">
+              <a:latin typeface="Consolas" panose="020B0609020204030204" pitchFamily="49" charset="0"/>
+            </a:endParaRPr>
+          </a:p>
+          <a:p>
+            <a:r>
+              <a:rPr lang="en-US" altLang="ko-KR" spc="-150" dirty="0">
+                <a:latin typeface="Consolas" panose="020B0609020204030204" pitchFamily="49" charset="0"/>
+              </a:rPr>
+              <a:t>2.5 * </a:t>
+            </a:r>
+            <a:r>
+              <a:rPr lang="en-US" altLang="ko-KR" spc="-150" dirty="0" err="1">
+                <a:latin typeface="Consolas" panose="020B0609020204030204" pitchFamily="49" charset="0"/>
+              </a:rPr>
+              <a:t>np.random.randn</a:t>
+            </a:r>
+            <a:r>
+              <a:rPr lang="en-US" altLang="ko-KR" spc="-150" dirty="0">
+                <a:latin typeface="Consolas" panose="020B0609020204030204" pitchFamily="49" charset="0"/>
+              </a:rPr>
+              <a:t>(4) + 3   # </a:t>
+            </a:r>
+            <a:r>
+              <a:rPr lang="ko-KR" altLang="en-US" spc="-150" dirty="0">
+                <a:latin typeface="Consolas" panose="020B0609020204030204" pitchFamily="49" charset="0"/>
+              </a:rPr>
+              <a:t>평균 </a:t>
+            </a:r>
+            <a:r>
+              <a:rPr lang="en-US" altLang="ko-KR" spc="-150" dirty="0">
+                <a:latin typeface="Consolas" panose="020B0609020204030204" pitchFamily="49" charset="0"/>
+              </a:rPr>
+              <a:t>3, </a:t>
+            </a:r>
+            <a:r>
+              <a:rPr lang="ko-KR" altLang="en-US" spc="-150" dirty="0">
+                <a:latin typeface="Consolas" panose="020B0609020204030204" pitchFamily="49" charset="0"/>
+              </a:rPr>
+              <a:t>표준편차 </a:t>
+            </a:r>
+            <a:r>
+              <a:rPr lang="en-US" altLang="ko-KR" spc="-150" dirty="0">
+                <a:latin typeface="Consolas" panose="020B0609020204030204" pitchFamily="49" charset="0"/>
+              </a:rPr>
+              <a:t>2.5</a:t>
+            </a:r>
+          </a:p>
+          <a:p>
+            <a:endParaRPr lang="en-US" altLang="ko-KR" dirty="0"/>
+          </a:p>
+          <a:p>
+            <a:endParaRPr lang="ko-KR" altLang="en-US" dirty="0"/>
+          </a:p>
+        </p:txBody>
+      </p:sp>
+    </p:spTree>
+    <p:extLst>
+      <p:ext uri="{BB962C8B-B14F-4D97-AF65-F5344CB8AC3E}">
+        <p14:creationId xmlns:p14="http://schemas.microsoft.com/office/powerpoint/2010/main" val="4054305431"/>
+      </p:ext>
+    </p:extLst>
+  </p:cSld>
+  <p:clrMapOvr>
+    <a:masterClrMapping/>
+  </p:clrMapOvr>
+</p:sld>
+</file>
+
+<file path=ppt/slides/slide14.xml><?xml version="1.0" encoding="utf-8"?>
+<p:sld xmlns:a="http://schemas.openxmlformats.org/drawingml/2006/main" xmlns:r="http://schemas.openxmlformats.org/officeDocument/2006/relationships" xmlns:p="http://schemas.openxmlformats.org/presentationml/2006/main">
+  <p:cSld>
+    <p:spTree>
+      <p:nvGrpSpPr>
+        <p:cNvPr id="1" name=""/>
+        <p:cNvGrpSpPr/>
+        <p:nvPr/>
+      </p:nvGrpSpPr>
+      <p:grpSpPr>
+        <a:xfrm>
+          <a:off x="0" y="0"/>
+          <a:ext cx="0" cy="0"/>
+          <a:chOff x="0" y="0"/>
+          <a:chExt cx="0" cy="0"/>
+        </a:xfrm>
+      </p:grpSpPr>
+      <p:sp>
+        <p:nvSpPr>
+          <p:cNvPr id="2" name="제목 1"/>
+          <p:cNvSpPr>
+            <a:spLocks noGrp="1"/>
+          </p:cNvSpPr>
+          <p:nvPr>
+            <p:ph type="title"/>
+          </p:nvPr>
+        </p:nvSpPr>
         <p:spPr>
           <a:xfrm>
             <a:off x="838200" y="365125"/>
@@ -4008,13 +4141,13 @@
         </p:nvSpPr>
         <p:spPr>
           <a:xfrm>
-            <a:off x="838200" y="1359243"/>
-            <a:ext cx="5181600" cy="4817720"/>
+            <a:off x="838200" y="1482811"/>
+            <a:ext cx="5181600" cy="4694152"/>
           </a:xfrm>
         </p:spPr>
         <p:txBody>
           <a:bodyPr>
-            <a:normAutofit fontScale="92500" lnSpcReduction="10000"/>
+            <a:normAutofit/>
           </a:bodyPr>
           <a:lstStyle/>
           <a:p>
@@ -4135,43 +4268,6 @@
             </a:r>
           </a:p>
           <a:p>
-            <a:r>
-              <a:rPr lang="en-US" altLang="ko-KR" sz="2600" dirty="0" smtClean="0"/>
-              <a:t>dot product</a:t>
-            </a:r>
-          </a:p>
-          <a:p>
-            <a:pPr lvl="1"/>
-            <a:r>
-              <a:rPr lang="en-US" altLang="ko-KR" spc="-150" dirty="0" smtClean="0">
-                <a:latin typeface="Consolas" panose="020B0609020204030204" pitchFamily="49" charset="0"/>
-              </a:rPr>
-              <a:t>np.dot(a, b)</a:t>
-            </a:r>
-          </a:p>
-          <a:p>
-            <a:r>
-              <a:rPr lang="ko-KR" altLang="en-US" sz="2600" dirty="0"/>
-              <a:t>벡터 사이의 거리</a:t>
-            </a:r>
-            <a:endParaRPr lang="en-US" altLang="ko-KR" sz="2600" dirty="0"/>
-          </a:p>
-          <a:p>
-            <a:pPr lvl="1"/>
-            <a:r>
-              <a:rPr lang="en-US" altLang="ko-KR" spc="-150" dirty="0" err="1">
-                <a:latin typeface="Consolas" panose="020B0609020204030204" pitchFamily="49" charset="0"/>
-              </a:rPr>
-              <a:t>np.linalg.norm</a:t>
-            </a:r>
-            <a:r>
-              <a:rPr lang="en-US" altLang="ko-KR" spc="-150" dirty="0">
-                <a:latin typeface="Consolas" panose="020B0609020204030204" pitchFamily="49" charset="0"/>
-              </a:rPr>
-              <a:t>(a-b)</a:t>
-            </a:r>
-          </a:p>
-          <a:p>
             <a:pPr marL="457200" lvl="1" indent="0">
               <a:buNone/>
             </a:pPr>
@@ -4195,172 +4291,102 @@
         </p:nvSpPr>
         <p:spPr>
           <a:xfrm>
-            <a:off x="6172200" y="1359243"/>
-            <a:ext cx="5181600" cy="4817720"/>
+            <a:off x="6172200" y="1482811"/>
+            <a:ext cx="5181600" cy="4694152"/>
           </a:xfrm>
         </p:spPr>
         <p:txBody>
           <a:bodyPr>
-            <a:normAutofit fontScale="92500" lnSpcReduction="10000"/>
+            <a:normAutofit/>
           </a:bodyPr>
           <a:lstStyle/>
           <a:p>
             <a:r>
-              <a:rPr lang="en-US" altLang="ko-KR" spc="-150" dirty="0" smtClean="0">
-                <a:latin typeface="Consolas" panose="020B0609020204030204" pitchFamily="49" charset="0"/>
-              </a:rPr>
-              <a:t>M = </a:t>
-            </a:r>
+              <a:rPr lang="en-US" altLang="ko-KR" sz="2600" dirty="0"/>
+              <a:t>dot product</a:t>
+            </a:r>
+          </a:p>
+          <a:p>
+            <a:pPr lvl="1"/>
+            <a:r>
+              <a:rPr lang="en-US" altLang="ko-KR" spc="-150" dirty="0">
+                <a:latin typeface="Consolas" panose="020B0609020204030204" pitchFamily="49" charset="0"/>
+              </a:rPr>
+              <a:t>np.dot(a, b)</a:t>
+            </a:r>
+          </a:p>
+          <a:p>
+            <a:r>
+              <a:rPr lang="ko-KR" altLang="en-US" sz="2600" dirty="0" smtClean="0"/>
+              <a:t>벡터 </a:t>
+            </a:r>
+            <a:r>
+              <a:rPr lang="en-US" altLang="ko-KR" sz="2600" dirty="0" smtClean="0"/>
+              <a:t>a</a:t>
+            </a:r>
+            <a:r>
+              <a:rPr lang="ko-KR" altLang="en-US" sz="2600" dirty="0" smtClean="0"/>
+              <a:t>의 크기</a:t>
+            </a:r>
+            <a:endParaRPr lang="en-US" altLang="ko-KR" sz="2600" dirty="0" smtClean="0"/>
+          </a:p>
+          <a:p>
+            <a:pPr lvl="1"/>
             <a:r>
               <a:rPr lang="en-US" altLang="ko-KR" spc="-150" dirty="0" err="1" smtClean="0">
                 <a:latin typeface="Consolas" panose="020B0609020204030204" pitchFamily="49" charset="0"/>
               </a:rPr>
-              <a:t>np.array</a:t>
-            </a:r>
-            <a:r>
-              <a:rPr lang="en-US" altLang="ko-KR" spc="-150" dirty="0" smtClean="0">
-                <a:latin typeface="Consolas" panose="020B0609020204030204" pitchFamily="49" charset="0"/>
-              </a:rPr>
-              <a:t>([[1,2], [3,4]])</a:t>
-            </a:r>
-          </a:p>
-          <a:p>
-            <a:r>
-              <a:rPr lang="en-US" altLang="ko-KR" spc="-150" dirty="0" smtClean="0">
-                <a:latin typeface="Consolas" panose="020B0609020204030204" pitchFamily="49" charset="0"/>
-              </a:rPr>
-              <a:t>N = </a:t>
-            </a:r>
+              <a:t>np.linalg.norm</a:t>
+            </a:r>
+            <a:r>
+              <a:rPr lang="en-US" altLang="ko-KR" spc="-150" dirty="0" smtClean="0">
+                <a:latin typeface="Consolas" panose="020B0609020204030204" pitchFamily="49" charset="0"/>
+              </a:rPr>
+              <a:t>(a)</a:t>
+            </a:r>
+            <a:endParaRPr lang="en-US" altLang="ko-KR" dirty="0" smtClean="0"/>
+          </a:p>
+          <a:p>
+            <a:r>
+              <a:rPr lang="ko-KR" altLang="en-US" sz="2600" dirty="0" smtClean="0"/>
+              <a:t>벡터 </a:t>
+            </a:r>
+            <a:r>
+              <a:rPr lang="en-US" altLang="ko-KR" sz="2600" dirty="0" smtClean="0"/>
+              <a:t>a, b </a:t>
+            </a:r>
+            <a:r>
+              <a:rPr lang="ko-KR" altLang="en-US" sz="2600" dirty="0" smtClean="0"/>
+              <a:t>사이의 </a:t>
+            </a:r>
+            <a:r>
+              <a:rPr lang="ko-KR" altLang="en-US" sz="2600" dirty="0"/>
+              <a:t>거리</a:t>
+            </a:r>
+            <a:endParaRPr lang="en-US" altLang="ko-KR" sz="2600" dirty="0"/>
+          </a:p>
+          <a:p>
+            <a:pPr lvl="1"/>
             <a:r>
               <a:rPr lang="en-US" altLang="ko-KR" spc="-150" dirty="0" err="1" smtClean="0">
                 <a:latin typeface="Consolas" panose="020B0609020204030204" pitchFamily="49" charset="0"/>
               </a:rPr>
-              <a:t>np.array</a:t>
-            </a:r>
-            <a:r>
-              <a:rPr lang="en-US" altLang="ko-KR" spc="-150" dirty="0" smtClean="0">
-                <a:latin typeface="Consolas" panose="020B0609020204030204" pitchFamily="49" charset="0"/>
-              </a:rPr>
-              <a:t>([[-1,1],[2,1]])</a:t>
-            </a:r>
-          </a:p>
-          <a:p>
-            <a:r>
-              <a:rPr lang="ko-KR" altLang="en-US" dirty="0" err="1" smtClean="0"/>
-              <a:t>역행렬</a:t>
-            </a:r>
-            <a:endParaRPr lang="en-US" altLang="ko-KR" dirty="0" smtClean="0"/>
-          </a:p>
-          <a:p>
-            <a:pPr lvl="1"/>
-            <a:r>
-              <a:rPr lang="en-US" altLang="ko-KR" spc="-150" dirty="0" err="1">
-                <a:latin typeface="Consolas" panose="020B0609020204030204" pitchFamily="49" charset="0"/>
-              </a:rPr>
-              <a:t>np.linalg.inv</a:t>
+              <a:t>np.linalg.norm</a:t>
+            </a:r>
+            <a:r>
+              <a:rPr lang="en-US" altLang="ko-KR" spc="-150" dirty="0" smtClean="0">
+                <a:latin typeface="Consolas" panose="020B0609020204030204" pitchFamily="49" charset="0"/>
+              </a:rPr>
+              <a:t>(a-b</a:t>
             </a:r>
             <a:r>
               <a:rPr lang="en-US" altLang="ko-KR" spc="-150" dirty="0">
                 <a:latin typeface="Consolas" panose="020B0609020204030204" pitchFamily="49" charset="0"/>
               </a:rPr>
-              <a:t>(M</a:t>
-            </a:r>
-            <a:r>
-              <a:rPr lang="en-US" altLang="ko-KR" spc="-150" dirty="0" smtClean="0">
-                <a:latin typeface="Consolas" panose="020B0609020204030204" pitchFamily="49" charset="0"/>
-              </a:rPr>
               <a:t>)</a:t>
             </a:r>
           </a:p>
           <a:p>
-            <a:r>
-              <a:rPr lang="ko-KR" altLang="en-US" dirty="0" smtClean="0"/>
-              <a:t>행렬식</a:t>
-            </a:r>
-            <a:endParaRPr lang="en-US" altLang="ko-KR" dirty="0" smtClean="0"/>
-          </a:p>
-          <a:p>
-            <a:pPr lvl="1"/>
-            <a:r>
-              <a:rPr lang="en-US" altLang="ko-KR" spc="-150" dirty="0" err="1" smtClean="0">
-                <a:latin typeface="Consolas" panose="020B0609020204030204" pitchFamily="49" charset="0"/>
-              </a:rPr>
-              <a:t>np.linalg.det</a:t>
-            </a:r>
-            <a:r>
-              <a:rPr lang="en-US" altLang="ko-KR" spc="-150" dirty="0" smtClean="0">
-                <a:latin typeface="Consolas" panose="020B0609020204030204" pitchFamily="49" charset="0"/>
-              </a:rPr>
-              <a:t>(M)</a:t>
-            </a:r>
-          </a:p>
-          <a:p>
-            <a:r>
-              <a:rPr lang="ko-KR" altLang="en-US" dirty="0" smtClean="0"/>
-              <a:t>해 찾기</a:t>
-            </a:r>
-            <a:endParaRPr lang="en-US" altLang="ko-KR" dirty="0"/>
-          </a:p>
-          <a:p>
-            <a:pPr lvl="1"/>
-            <a:r>
-              <a:rPr lang="en-US" altLang="ko-KR" spc="-150" dirty="0" smtClean="0">
-                <a:latin typeface="Consolas" panose="020B0609020204030204" pitchFamily="49" charset="0"/>
-              </a:rPr>
-              <a:t>c = </a:t>
-            </a:r>
-            <a:r>
-              <a:rPr lang="en-US" altLang="ko-KR" spc="-150" dirty="0" err="1" smtClean="0">
-                <a:latin typeface="Consolas" panose="020B0609020204030204" pitchFamily="49" charset="0"/>
-              </a:rPr>
-              <a:t>np.array</a:t>
-            </a:r>
-            <a:r>
-              <a:rPr lang="en-US" altLang="ko-KR" spc="-150" dirty="0" smtClean="0">
-                <a:latin typeface="Consolas" panose="020B0609020204030204" pitchFamily="49" charset="0"/>
-              </a:rPr>
-              <a:t>([2,1])</a:t>
-            </a:r>
-            <a:endParaRPr lang="en-US" altLang="ko-KR" spc="-150" dirty="0">
-              <a:latin typeface="Consolas" panose="020B0609020204030204" pitchFamily="49" charset="0"/>
-            </a:endParaRPr>
-          </a:p>
-          <a:p>
-            <a:pPr lvl="1"/>
-            <a:r>
-              <a:rPr lang="en-US" altLang="ko-KR" spc="-150" dirty="0" err="1" smtClean="0">
-                <a:latin typeface="Consolas" panose="020B0609020204030204" pitchFamily="49" charset="0"/>
-              </a:rPr>
-              <a:t>np.linalg.solve</a:t>
-            </a:r>
-            <a:r>
-              <a:rPr lang="en-US" altLang="ko-KR" spc="-150" dirty="0" smtClean="0">
-                <a:latin typeface="Consolas" panose="020B0609020204030204" pitchFamily="49" charset="0"/>
-              </a:rPr>
-              <a:t>(M, c)</a:t>
-            </a:r>
-          </a:p>
-          <a:p>
-            <a:r>
-              <a:rPr lang="ko-KR" altLang="en-US" dirty="0" err="1" smtClean="0"/>
-              <a:t>행렬곱</a:t>
-            </a:r>
-            <a:endParaRPr lang="en-US" altLang="ko-KR" dirty="0" smtClean="0"/>
-          </a:p>
-          <a:p>
-            <a:pPr lvl="1"/>
-            <a:r>
-              <a:rPr lang="en-US" altLang="ko-KR" spc="-150" dirty="0" err="1">
-                <a:latin typeface="Consolas" panose="020B0609020204030204" pitchFamily="49" charset="0"/>
-              </a:rPr>
-              <a:t>np.matmul</a:t>
-            </a:r>
-            <a:r>
-              <a:rPr lang="en-US" altLang="ko-KR" spc="-150" dirty="0">
-                <a:latin typeface="Consolas" panose="020B0609020204030204" pitchFamily="49" charset="0"/>
-              </a:rPr>
-              <a:t>(M,N)</a:t>
-            </a:r>
             <a:endParaRPr lang="ko-KR" altLang="en-US" spc="-150" dirty="0">
               <a:latin typeface="Consolas" panose="020B0609020204030204" pitchFamily="49" charset="0"/>
             </a:endParaRPr>
@@ -4371,6 +4397,264 @@
     <p:extLst>
       <p:ext uri="{BB962C8B-B14F-4D97-AF65-F5344CB8AC3E}">
         <p14:creationId xmlns:p14="http://schemas.microsoft.com/office/powerpoint/2010/main" val="4100206831"/>
+      </p:ext>
+    </p:extLst>
+  </p:cSld>
+  <p:clrMapOvr>
+    <a:masterClrMapping/>
+  </p:clrMapOvr>
+</p:sld>
+</file>
+
+<file path=ppt/slides/slide15.xml><?xml version="1.0" encoding="utf-8"?>
+<p:sld xmlns:a="http://schemas.openxmlformats.org/drawingml/2006/main" xmlns:r="http://schemas.openxmlformats.org/officeDocument/2006/relationships" xmlns:p="http://schemas.openxmlformats.org/presentationml/2006/main">
+  <p:cSld>
+    <p:spTree>
+      <p:nvGrpSpPr>
+        <p:cNvPr id="1" name=""/>
+        <p:cNvGrpSpPr/>
+        <p:nvPr/>
+      </p:nvGrpSpPr>
+      <p:grpSpPr>
+        <a:xfrm>
+          <a:off x="0" y="0"/>
+          <a:ext cx="0" cy="0"/>
+          <a:chOff x="0" y="0"/>
+          <a:chExt cx="0" cy="0"/>
+        </a:xfrm>
+      </p:grpSpPr>
+      <p:sp>
+        <p:nvSpPr>
+          <p:cNvPr id="2" name="제목 1"/>
+          <p:cNvSpPr>
+            <a:spLocks noGrp="1"/>
+          </p:cNvSpPr>
+          <p:nvPr>
+            <p:ph type="title"/>
+          </p:nvPr>
+        </p:nvSpPr>
+        <p:spPr>
+          <a:xfrm>
+            <a:off x="838200" y="365125"/>
+            <a:ext cx="10515600" cy="1035307"/>
+          </a:xfrm>
+        </p:spPr>
+        <p:txBody>
+          <a:bodyPr>
+            <a:normAutofit fontScale="90000"/>
+          </a:bodyPr>
+          <a:lstStyle/>
+          <a:p>
+            <a:r>
+              <a:rPr lang="en-US" altLang="ko-KR" spc="-150" dirty="0" err="1"/>
+              <a:t>numpy</a:t>
+            </a:r>
+            <a:r>
+              <a:rPr lang="ko-KR" altLang="en-US" spc="-150" dirty="0"/>
+              <a:t>와 </a:t>
+            </a:r>
+            <a:r>
+              <a:rPr lang="en-US" altLang="ko-KR" spc="-150" dirty="0" err="1"/>
+              <a:t>numpy.linalg</a:t>
+            </a:r>
+            <a:r>
+              <a:rPr lang="ko-KR" altLang="en-US" spc="-150" dirty="0"/>
+              <a:t>를 이용한 </a:t>
+            </a:r>
+            <a:r>
+              <a:rPr lang="ko-KR" altLang="en-US" spc="-150" dirty="0" smtClean="0"/>
+              <a:t>선형대수</a:t>
+            </a:r>
+            <a:r>
+              <a:rPr lang="en-US" altLang="ko-KR" spc="-150" dirty="0" smtClean="0"/>
+              <a:t>(2)</a:t>
+            </a:r>
+            <a:endParaRPr lang="ko-KR" altLang="en-US" dirty="0"/>
+          </a:p>
+        </p:txBody>
+      </p:sp>
+      <p:sp>
+        <p:nvSpPr>
+          <p:cNvPr id="5" name="내용 개체 틀 4"/>
+          <p:cNvSpPr>
+            <a:spLocks noGrp="1"/>
+          </p:cNvSpPr>
+          <p:nvPr>
+            <p:ph idx="1"/>
+          </p:nvPr>
+        </p:nvSpPr>
+        <p:spPr>
+          <a:xfrm>
+            <a:off x="838200" y="1400432"/>
+            <a:ext cx="10515600" cy="4776531"/>
+          </a:xfrm>
+        </p:spPr>
+        <p:txBody>
+          <a:bodyPr>
+            <a:normAutofit lnSpcReduction="10000"/>
+          </a:bodyPr>
+          <a:lstStyle/>
+          <a:p>
+            <a:r>
+              <a:rPr lang="en-US" altLang="ko-KR" spc="-150" dirty="0">
+                <a:latin typeface="Consolas" panose="020B0609020204030204" pitchFamily="49" charset="0"/>
+              </a:rPr>
+              <a:t>M = </a:t>
+            </a:r>
+            <a:r>
+              <a:rPr lang="en-US" altLang="ko-KR" spc="-150" dirty="0" err="1">
+                <a:latin typeface="Consolas" panose="020B0609020204030204" pitchFamily="49" charset="0"/>
+              </a:rPr>
+              <a:t>np.array</a:t>
+            </a:r>
+            <a:r>
+              <a:rPr lang="en-US" altLang="ko-KR" spc="-150" dirty="0">
+                <a:latin typeface="Consolas" panose="020B0609020204030204" pitchFamily="49" charset="0"/>
+              </a:rPr>
+              <a:t>([[1,2], [3,4]])</a:t>
+            </a:r>
+          </a:p>
+          <a:p>
+            <a:r>
+              <a:rPr lang="en-US" altLang="ko-KR" spc="-150" dirty="0">
+                <a:latin typeface="Consolas" panose="020B0609020204030204" pitchFamily="49" charset="0"/>
+              </a:rPr>
+              <a:t>N = </a:t>
+            </a:r>
+            <a:r>
+              <a:rPr lang="en-US" altLang="ko-KR" spc="-150" dirty="0" err="1">
+                <a:latin typeface="Consolas" panose="020B0609020204030204" pitchFamily="49" charset="0"/>
+              </a:rPr>
+              <a:t>np.array</a:t>
+            </a:r>
+            <a:r>
+              <a:rPr lang="en-US" altLang="ko-KR" spc="-150" dirty="0">
+                <a:latin typeface="Consolas" panose="020B0609020204030204" pitchFamily="49" charset="0"/>
+              </a:rPr>
+              <a:t>([[-1,1],[2,1]])</a:t>
+            </a:r>
+          </a:p>
+          <a:p>
+            <a:r>
+              <a:rPr lang="ko-KR" altLang="en-US" dirty="0" err="1"/>
+              <a:t>역행렬</a:t>
+            </a:r>
+            <a:endParaRPr lang="en-US" altLang="ko-KR" dirty="0"/>
+          </a:p>
+          <a:p>
+            <a:pPr lvl="1"/>
+            <a:r>
+              <a:rPr lang="en-US" altLang="ko-KR" spc="-150" dirty="0" err="1">
+                <a:latin typeface="Consolas" panose="020B0609020204030204" pitchFamily="49" charset="0"/>
+              </a:rPr>
+              <a:t>np.linalg.inv</a:t>
+            </a:r>
+            <a:r>
+              <a:rPr lang="en-US" altLang="ko-KR" spc="-150" dirty="0">
+                <a:latin typeface="Consolas" panose="020B0609020204030204" pitchFamily="49" charset="0"/>
+              </a:rPr>
+              <a:t>(M)</a:t>
+            </a:r>
+          </a:p>
+          <a:p>
+            <a:r>
+              <a:rPr lang="ko-KR" altLang="en-US" dirty="0"/>
+              <a:t>행렬식</a:t>
+            </a:r>
+            <a:endParaRPr lang="en-US" altLang="ko-KR" dirty="0"/>
+          </a:p>
+          <a:p>
+            <a:pPr lvl="1"/>
+            <a:r>
+              <a:rPr lang="en-US" altLang="ko-KR" spc="-150" dirty="0" err="1">
+                <a:latin typeface="Consolas" panose="020B0609020204030204" pitchFamily="49" charset="0"/>
+              </a:rPr>
+              <a:t>np.linalg.det</a:t>
+            </a:r>
+            <a:r>
+              <a:rPr lang="en-US" altLang="ko-KR" spc="-150" dirty="0">
+                <a:latin typeface="Consolas" panose="020B0609020204030204" pitchFamily="49" charset="0"/>
+              </a:rPr>
+              <a:t>(M)</a:t>
+            </a:r>
+          </a:p>
+          <a:p>
+            <a:r>
+              <a:rPr lang="ko-KR" altLang="en-US" dirty="0"/>
+              <a:t>해 찾기</a:t>
+            </a:r>
+            <a:endParaRPr lang="en-US" altLang="ko-KR" dirty="0"/>
+          </a:p>
+          <a:p>
+            <a:pPr lvl="1"/>
+            <a:r>
+              <a:rPr lang="en-US" altLang="ko-KR" spc="-150" dirty="0">
+                <a:latin typeface="Consolas" panose="020B0609020204030204" pitchFamily="49" charset="0"/>
+              </a:rPr>
+              <a:t>c = </a:t>
+            </a:r>
+            <a:r>
+              <a:rPr lang="en-US" altLang="ko-KR" spc="-150" dirty="0" err="1">
+                <a:latin typeface="Consolas" panose="020B0609020204030204" pitchFamily="49" charset="0"/>
+              </a:rPr>
+              <a:t>np.array</a:t>
+            </a:r>
+            <a:r>
+              <a:rPr lang="en-US" altLang="ko-KR" spc="-150" dirty="0">
+                <a:latin typeface="Consolas" panose="020B0609020204030204" pitchFamily="49" charset="0"/>
+              </a:rPr>
+              <a:t>([2,1])</a:t>
+            </a:r>
+          </a:p>
+          <a:p>
+            <a:pPr lvl="1"/>
+            <a:r>
+              <a:rPr lang="en-US" altLang="ko-KR" spc="-150" dirty="0" err="1">
+                <a:latin typeface="Consolas" panose="020B0609020204030204" pitchFamily="49" charset="0"/>
+              </a:rPr>
+              <a:t>np.linalg.solve</a:t>
+            </a:r>
+            <a:r>
+              <a:rPr lang="en-US" altLang="ko-KR" spc="-150" dirty="0">
+                <a:latin typeface="Consolas" panose="020B0609020204030204" pitchFamily="49" charset="0"/>
+              </a:rPr>
+              <a:t>(M, c)</a:t>
+            </a:r>
+          </a:p>
+          <a:p>
+            <a:r>
+              <a:rPr lang="ko-KR" altLang="en-US" dirty="0" err="1"/>
+              <a:t>행렬곱</a:t>
+            </a:r>
+            <a:endParaRPr lang="en-US" altLang="ko-KR" dirty="0"/>
+          </a:p>
+          <a:p>
+            <a:pPr lvl="1"/>
+            <a:r>
+              <a:rPr lang="en-US" altLang="ko-KR" spc="-150" dirty="0" err="1">
+                <a:latin typeface="Consolas" panose="020B0609020204030204" pitchFamily="49" charset="0"/>
+              </a:rPr>
+              <a:t>np.matmul</a:t>
+            </a:r>
+            <a:r>
+              <a:rPr lang="en-US" altLang="ko-KR" spc="-150" dirty="0">
+                <a:latin typeface="Consolas" panose="020B0609020204030204" pitchFamily="49" charset="0"/>
+              </a:rPr>
+              <a:t>(M,N)</a:t>
+            </a:r>
+            <a:endParaRPr lang="ko-KR" altLang="en-US" spc="-150" dirty="0">
+              <a:latin typeface="Consolas" panose="020B0609020204030204" pitchFamily="49" charset="0"/>
+            </a:endParaRPr>
+          </a:p>
+          <a:p>
+            <a:endParaRPr lang="ko-KR" altLang="en-US" dirty="0"/>
+          </a:p>
+        </p:txBody>
+      </p:sp>
+    </p:spTree>
+    <p:extLst>
+      <p:ext uri="{BB962C8B-B14F-4D97-AF65-F5344CB8AC3E}">
+        <p14:creationId xmlns:p14="http://schemas.microsoft.com/office/powerpoint/2010/main" val="2634062116"/>
       </p:ext>
     </p:extLst>
   </p:cSld>
@@ -5388,31 +5672,7 @@
               <a:rPr lang="en-US" altLang="ko-KR" spc="-150" dirty="0" smtClean="0">
                 <a:latin typeface="Consolas" panose="020B0609020204030204" pitchFamily="49" charset="0"/>
               </a:rPr>
-              <a:t>([[</a:t>
-            </a:r>
-            <a:r>
-              <a:rPr lang="en-US" altLang="ko-KR" spc="-150" dirty="0" smtClean="0">
-                <a:latin typeface="Consolas" panose="020B0609020204030204" pitchFamily="49" charset="0"/>
-              </a:rPr>
-              <a:t>1,2],[2,4],[3,6</a:t>
-            </a:r>
-            <a:r>
-              <a:rPr lang="en-US" altLang="ko-KR" spc="-150" dirty="0" smtClean="0">
-                <a:latin typeface="Consolas" panose="020B0609020204030204" pitchFamily="49" charset="0"/>
-              </a:rPr>
-              <a:t>]]) </a:t>
-            </a:r>
-            <a:r>
-              <a:rPr lang="en-US" altLang="ko-KR" spc="-150" dirty="0" smtClean="0">
-                <a:latin typeface="Consolas" panose="020B0609020204030204" pitchFamily="49" charset="0"/>
-              </a:rPr>
-              <a:t>== </a:t>
-            </a:r>
-            <a:r>
-              <a:rPr lang="en-US" altLang="ko-KR" spc="-150" dirty="0" smtClean="0">
-                <a:latin typeface="Consolas" panose="020B0609020204030204" pitchFamily="49" charset="0"/>
-              </a:rPr>
-              <a:t>[2,4] </a:t>
+              <a:t>([[1,2],[2,4],[3,6]]) == [2,4] </a:t>
             </a:r>
             <a:endParaRPr lang="en-US" altLang="ko-KR" dirty="0"/>
           </a:p>
